--- a/maskrcnn.pptx
+++ b/maskrcnn.pptx
@@ -106,6 +106,11 @@
       </a:defRPr>
     </a:lvl9pPr>
   </p:defaultTextStyle>
+  <p:extLst>
+    <p:ext uri="{EFAFB233-063F-42B5-8137-9DF3F51BA10A}">
+      <p15:sldGuideLst xmlns:p15="http://schemas.microsoft.com/office/powerpoint/2012/main"/>
+    </p:ext>
+  </p:extLst>
 </p:presentation>
 </file>
 
@@ -256,7 +261,7 @@
           <a:p>
             <a:fld id="{179B626F-AC2B-41C0-B745-BC21FADD58D1}" type="datetimeFigureOut">
               <a:rPr lang="en-US" smtClean="0"/>
-              <a:t>9/27/2023</a:t>
+              <a:t>9/28/2023</a:t>
             </a:fld>
             <a:endParaRPr lang="en-US"/>
           </a:p>
@@ -454,7 +459,7 @@
           <a:p>
             <a:fld id="{179B626F-AC2B-41C0-B745-BC21FADD58D1}" type="datetimeFigureOut">
               <a:rPr lang="en-US" smtClean="0"/>
-              <a:t>9/27/2023</a:t>
+              <a:t>9/28/2023</a:t>
             </a:fld>
             <a:endParaRPr lang="en-US"/>
           </a:p>
@@ -662,7 +667,7 @@
           <a:p>
             <a:fld id="{179B626F-AC2B-41C0-B745-BC21FADD58D1}" type="datetimeFigureOut">
               <a:rPr lang="en-US" smtClean="0"/>
-              <a:t>9/27/2023</a:t>
+              <a:t>9/28/2023</a:t>
             </a:fld>
             <a:endParaRPr lang="en-US"/>
           </a:p>
@@ -860,7 +865,7 @@
           <a:p>
             <a:fld id="{179B626F-AC2B-41C0-B745-BC21FADD58D1}" type="datetimeFigureOut">
               <a:rPr lang="en-US" smtClean="0"/>
-              <a:t>9/27/2023</a:t>
+              <a:t>9/28/2023</a:t>
             </a:fld>
             <a:endParaRPr lang="en-US"/>
           </a:p>
@@ -1135,7 +1140,7 @@
           <a:p>
             <a:fld id="{179B626F-AC2B-41C0-B745-BC21FADD58D1}" type="datetimeFigureOut">
               <a:rPr lang="en-US" smtClean="0"/>
-              <a:t>9/27/2023</a:t>
+              <a:t>9/28/2023</a:t>
             </a:fld>
             <a:endParaRPr lang="en-US"/>
           </a:p>
@@ -1400,7 +1405,7 @@
           <a:p>
             <a:fld id="{179B626F-AC2B-41C0-B745-BC21FADD58D1}" type="datetimeFigureOut">
               <a:rPr lang="en-US" smtClean="0"/>
-              <a:t>9/27/2023</a:t>
+              <a:t>9/28/2023</a:t>
             </a:fld>
             <a:endParaRPr lang="en-US"/>
           </a:p>
@@ -1812,7 +1817,7 @@
           <a:p>
             <a:fld id="{179B626F-AC2B-41C0-B745-BC21FADD58D1}" type="datetimeFigureOut">
               <a:rPr lang="en-US" smtClean="0"/>
-              <a:t>9/27/2023</a:t>
+              <a:t>9/28/2023</a:t>
             </a:fld>
             <a:endParaRPr lang="en-US"/>
           </a:p>
@@ -1953,7 +1958,7 @@
           <a:p>
             <a:fld id="{179B626F-AC2B-41C0-B745-BC21FADD58D1}" type="datetimeFigureOut">
               <a:rPr lang="en-US" smtClean="0"/>
-              <a:t>9/27/2023</a:t>
+              <a:t>9/28/2023</a:t>
             </a:fld>
             <a:endParaRPr lang="en-US"/>
           </a:p>
@@ -2066,7 +2071,7 @@
           <a:p>
             <a:fld id="{179B626F-AC2B-41C0-B745-BC21FADD58D1}" type="datetimeFigureOut">
               <a:rPr lang="en-US" smtClean="0"/>
-              <a:t>9/27/2023</a:t>
+              <a:t>9/28/2023</a:t>
             </a:fld>
             <a:endParaRPr lang="en-US"/>
           </a:p>
@@ -2377,7 +2382,7 @@
           <a:p>
             <a:fld id="{179B626F-AC2B-41C0-B745-BC21FADD58D1}" type="datetimeFigureOut">
               <a:rPr lang="en-US" smtClean="0"/>
-              <a:t>9/27/2023</a:t>
+              <a:t>9/28/2023</a:t>
             </a:fld>
             <a:endParaRPr lang="en-US"/>
           </a:p>
@@ -2665,7 +2670,7 @@
           <a:p>
             <a:fld id="{179B626F-AC2B-41C0-B745-BC21FADD58D1}" type="datetimeFigureOut">
               <a:rPr lang="en-US" smtClean="0"/>
-              <a:t>9/27/2023</a:t>
+              <a:t>9/28/2023</a:t>
             </a:fld>
             <a:endParaRPr lang="en-US"/>
           </a:p>
@@ -2906,7 +2911,7 @@
           <a:p>
             <a:fld id="{179B626F-AC2B-41C0-B745-BC21FADD58D1}" type="datetimeFigureOut">
               <a:rPr lang="en-US" smtClean="0"/>
-              <a:t>9/27/2023</a:t>
+              <a:t>9/28/2023</a:t>
             </a:fld>
             <a:endParaRPr lang="en-US"/>
           </a:p>
@@ -3419,7 +3424,7 @@
         </p:blipFill>
         <p:spPr>
           <a:xfrm>
-            <a:off x="5197173" y="1170571"/>
+            <a:off x="5518201" y="737395"/>
             <a:ext cx="1553813" cy="1563947"/>
           </a:xfrm>
           <a:prstGeom prst="rect">
@@ -3455,8 +3460,8 @@
         </p:blipFill>
         <p:spPr>
           <a:xfrm>
-            <a:off x="3068662" y="1335122"/>
-            <a:ext cx="622853" cy="622853"/>
+            <a:off x="3171606" y="1335122"/>
+            <a:ext cx="721889" cy="622853"/>
           </a:xfrm>
           <a:prstGeom prst="rect">
             <a:avLst/>
@@ -3491,8 +3496,8 @@
         </p:blipFill>
         <p:spPr>
           <a:xfrm>
-            <a:off x="3766874" y="1343715"/>
-            <a:ext cx="587228" cy="560379"/>
+            <a:off x="3897784" y="1338738"/>
+            <a:ext cx="622853" cy="594375"/>
           </a:xfrm>
           <a:prstGeom prst="rect">
             <a:avLst/>
@@ -3729,7 +3734,7 @@
         </p:nvSpPr>
         <p:spPr>
           <a:xfrm>
-            <a:off x="4354102" y="1793039"/>
+            <a:off x="2294858" y="1561875"/>
             <a:ext cx="721889" cy="439701"/>
           </a:xfrm>
           <a:prstGeom prst="rightArrow">
@@ -3981,7 +3986,7 @@
         </p:nvSpPr>
         <p:spPr>
           <a:xfrm>
-            <a:off x="2734135" y="2578180"/>
+            <a:off x="2904766" y="2721114"/>
             <a:ext cx="1985054" cy="707886"/>
           </a:xfrm>
           <a:prstGeom prst="rect">
@@ -4042,7 +4047,7 @@
         </p:nvSpPr>
         <p:spPr>
           <a:xfrm>
-            <a:off x="4603239" y="2787266"/>
+            <a:off x="5108209" y="2332654"/>
             <a:ext cx="2327385" cy="707886"/>
           </a:xfrm>
           <a:prstGeom prst="rect">
@@ -5013,6 +5018,442 @@
           </a:p>
         </p:txBody>
       </p:sp>
+      <p:pic>
+        <p:nvPicPr>
+          <p:cNvPr id="4" name="Picture 3" descr="A wind turbines in the ocean">
+            <a:extLst>
+              <a:ext uri="{FF2B5EF4-FFF2-40B4-BE49-F238E27FC236}">
+                <a16:creationId xmlns:a16="http://schemas.microsoft.com/office/drawing/2014/main" id="{AE81BFF7-B66D-7C3D-B6E8-E75B0F48D437}"/>
+              </a:ext>
+            </a:extLst>
+          </p:cNvPr>
+          <p:cNvPicPr>
+            <a:picLocks noChangeAspect="1"/>
+          </p:cNvPicPr>
+          <p:nvPr/>
+        </p:nvPicPr>
+        <p:blipFill>
+          <a:blip r:embed="rId11">
+            <a:extLst>
+              <a:ext uri="{28A0092B-C50C-407E-A947-70E740481C1C}">
+                <a14:useLocalDpi xmlns:a14="http://schemas.microsoft.com/office/drawing/2010/main" val="0"/>
+              </a:ext>
+            </a:extLst>
+          </a:blip>
+          <a:stretch>
+            <a:fillRect/>
+          </a:stretch>
+        </p:blipFill>
+        <p:spPr>
+          <a:xfrm>
+            <a:off x="365703" y="694495"/>
+            <a:ext cx="1910682" cy="2073524"/>
+          </a:xfrm>
+          <a:prstGeom prst="rect">
+            <a:avLst/>
+          </a:prstGeom>
+        </p:spPr>
+      </p:pic>
+      <p:sp>
+        <p:nvSpPr>
+          <p:cNvPr id="6" name="Rectangle 5">
+            <a:extLst>
+              <a:ext uri="{FF2B5EF4-FFF2-40B4-BE49-F238E27FC236}">
+                <a16:creationId xmlns:a16="http://schemas.microsoft.com/office/drawing/2014/main" id="{46099337-55C0-0B96-A9A5-ECF76C5AEB39}"/>
+              </a:ext>
+            </a:extLst>
+          </p:cNvPr>
+          <p:cNvSpPr/>
+          <p:nvPr/>
+        </p:nvSpPr>
+        <p:spPr>
+          <a:xfrm>
+            <a:off x="556161" y="2701290"/>
+            <a:ext cx="1684115" cy="461665"/>
+          </a:xfrm>
+          <a:prstGeom prst="rect">
+            <a:avLst/>
+          </a:prstGeom>
+          <a:noFill/>
+        </p:spPr>
+        <p:txBody>
+          <a:bodyPr wrap="none" lIns="91440" tIns="45720" rIns="91440" bIns="45720">
+            <a:spAutoFit/>
+          </a:bodyPr>
+          <a:lstStyle/>
+          <a:p>
+            <a:pPr algn="ctr"/>
+            <a:r>
+              <a:rPr lang="en-US" sz="2400" b="0" cap="none" spc="0" dirty="0">
+                <a:ln w="0"/>
+                <a:solidFill>
+                  <a:schemeClr val="accent1"/>
+                </a:solidFill>
+                <a:effectLst>
+                  <a:outerShdw blurRad="38100" dist="25400" dir="5400000" algn="ctr" rotWithShape="0">
+                    <a:srgbClr val="6E747A">
+                      <a:alpha val="43000"/>
+                    </a:srgbClr>
+                  </a:outerShdw>
+                </a:effectLst>
+              </a:rPr>
+              <a:t>Input Image</a:t>
+            </a:r>
+          </a:p>
+        </p:txBody>
+      </p:sp>
+      <p:sp>
+        <p:nvSpPr>
+          <p:cNvPr id="7" name="Arrow: Right 6">
+            <a:extLst>
+              <a:ext uri="{FF2B5EF4-FFF2-40B4-BE49-F238E27FC236}">
+                <a16:creationId xmlns:a16="http://schemas.microsoft.com/office/drawing/2014/main" id="{BE518F7D-AA26-3038-BFBD-87E1BA232CB8}"/>
+              </a:ext>
+            </a:extLst>
+          </p:cNvPr>
+          <p:cNvSpPr/>
+          <p:nvPr/>
+        </p:nvSpPr>
+        <p:spPr>
+          <a:xfrm>
+            <a:off x="4747264" y="1449351"/>
+            <a:ext cx="721889" cy="439701"/>
+          </a:xfrm>
+          <a:prstGeom prst="rightArrow">
+            <a:avLst>
+              <a:gd name="adj1" fmla="val 37625"/>
+              <a:gd name="adj2" fmla="val 50000"/>
+            </a:avLst>
+          </a:prstGeom>
+          <a:solidFill>
+            <a:schemeClr val="accent5">
+              <a:lumMod val="40000"/>
+              <a:lumOff val="60000"/>
+            </a:schemeClr>
+          </a:solidFill>
+        </p:spPr>
+        <p:style>
+          <a:lnRef idx="2">
+            <a:schemeClr val="accent1">
+              <a:shade val="15000"/>
+            </a:schemeClr>
+          </a:lnRef>
+          <a:fillRef idx="1">
+            <a:schemeClr val="accent1"/>
+          </a:fillRef>
+          <a:effectRef idx="0">
+            <a:schemeClr val="accent1"/>
+          </a:effectRef>
+          <a:fontRef idx="minor">
+            <a:schemeClr val="lt1"/>
+          </a:fontRef>
+        </p:style>
+        <p:txBody>
+          <a:bodyPr rtlCol="0" anchor="ctr"/>
+          <a:lstStyle/>
+          <a:p>
+            <a:pPr algn="ctr"/>
+            <a:endParaRPr lang="en-US" dirty="0"/>
+          </a:p>
+        </p:txBody>
+      </p:sp>
+      <p:pic>
+        <p:nvPicPr>
+          <p:cNvPr id="9" name="Picture 8" descr="A snow covered mountain with trees&#10;&#10;Description automatically generated with medium confidence">
+            <a:extLst>
+              <a:ext uri="{FF2B5EF4-FFF2-40B4-BE49-F238E27FC236}">
+                <a16:creationId xmlns:a16="http://schemas.microsoft.com/office/drawing/2014/main" id="{1E15CBFC-38C9-9CFD-AE49-CD9DB93C24E6}"/>
+              </a:ext>
+            </a:extLst>
+          </p:cNvPr>
+          <p:cNvPicPr>
+            <a:picLocks noChangeAspect="1"/>
+          </p:cNvPicPr>
+          <p:nvPr/>
+        </p:nvPicPr>
+        <p:blipFill>
+          <a:blip r:embed="rId12">
+            <a:extLst>
+              <a:ext uri="{28A0092B-C50C-407E-A947-70E740481C1C}">
+                <a14:useLocalDpi xmlns:a14="http://schemas.microsoft.com/office/drawing/2010/main" val="0"/>
+              </a:ext>
+            </a:extLst>
+          </a:blip>
+          <a:stretch>
+            <a:fillRect/>
+          </a:stretch>
+        </p:blipFill>
+        <p:spPr>
+          <a:xfrm>
+            <a:off x="3167317" y="1916131"/>
+            <a:ext cx="734601" cy="565914"/>
+          </a:xfrm>
+          <a:prstGeom prst="rect">
+            <a:avLst/>
+          </a:prstGeom>
+        </p:spPr>
+      </p:pic>
+      <p:pic>
+        <p:nvPicPr>
+          <p:cNvPr id="12" name="Picture 11" descr="A close up of a crack in a wall&#10;&#10;Description automatically generated">
+            <a:extLst>
+              <a:ext uri="{FF2B5EF4-FFF2-40B4-BE49-F238E27FC236}">
+                <a16:creationId xmlns:a16="http://schemas.microsoft.com/office/drawing/2014/main" id="{523637C3-49DC-6702-D3D9-6EA8D12451F4}"/>
+              </a:ext>
+            </a:extLst>
+          </p:cNvPr>
+          <p:cNvPicPr>
+            <a:picLocks noChangeAspect="1"/>
+          </p:cNvPicPr>
+          <p:nvPr/>
+        </p:nvPicPr>
+        <p:blipFill>
+          <a:blip r:embed="rId13">
+            <a:extLst>
+              <a:ext uri="{28A0092B-C50C-407E-A947-70E740481C1C}">
+                <a14:useLocalDpi xmlns:a14="http://schemas.microsoft.com/office/drawing/2010/main" val="0"/>
+              </a:ext>
+            </a:extLst>
+          </a:blip>
+          <a:stretch>
+            <a:fillRect/>
+          </a:stretch>
+        </p:blipFill>
+        <p:spPr>
+          <a:xfrm>
+            <a:off x="3868416" y="1936895"/>
+            <a:ext cx="681587" cy="547618"/>
+          </a:xfrm>
+          <a:prstGeom prst="rect">
+            <a:avLst/>
+          </a:prstGeom>
+        </p:spPr>
+      </p:pic>
+      <p:sp>
+        <p:nvSpPr>
+          <p:cNvPr id="13" name="Rectangle 12">
+            <a:extLst>
+              <a:ext uri="{FF2B5EF4-FFF2-40B4-BE49-F238E27FC236}">
+                <a16:creationId xmlns:a16="http://schemas.microsoft.com/office/drawing/2014/main" id="{C6EB8713-5CDE-7057-7BE8-87EC31BB83E1}"/>
+              </a:ext>
+            </a:extLst>
+          </p:cNvPr>
+          <p:cNvSpPr/>
+          <p:nvPr/>
+        </p:nvSpPr>
+        <p:spPr>
+          <a:xfrm>
+            <a:off x="3016747" y="1026160"/>
+            <a:ext cx="1624706" cy="1675130"/>
+          </a:xfrm>
+          <a:prstGeom prst="rect">
+            <a:avLst/>
+          </a:prstGeom>
+          <a:noFill/>
+          <a:ln w="28575">
+            <a:solidFill>
+              <a:schemeClr val="accent1"/>
+            </a:solidFill>
+          </a:ln>
+        </p:spPr>
+        <p:style>
+          <a:lnRef idx="2">
+            <a:schemeClr val="accent1">
+              <a:shade val="15000"/>
+            </a:schemeClr>
+          </a:lnRef>
+          <a:fillRef idx="1">
+            <a:schemeClr val="accent1"/>
+          </a:fillRef>
+          <a:effectRef idx="0">
+            <a:schemeClr val="accent1"/>
+          </a:effectRef>
+          <a:fontRef idx="minor">
+            <a:schemeClr val="lt1"/>
+          </a:fontRef>
+        </p:style>
+        <p:txBody>
+          <a:bodyPr rtlCol="0" anchor="ctr"/>
+          <a:lstStyle/>
+          <a:p>
+            <a:pPr algn="ctr"/>
+            <a:endParaRPr lang="en-US"/>
+          </a:p>
+        </p:txBody>
+      </p:sp>
+      <p:cxnSp>
+        <p:nvCxnSpPr>
+          <p:cNvPr id="21" name="Straight Arrow Connector 20">
+            <a:extLst>
+              <a:ext uri="{FF2B5EF4-FFF2-40B4-BE49-F238E27FC236}">
+                <a16:creationId xmlns:a16="http://schemas.microsoft.com/office/drawing/2014/main" id="{7B704641-A295-0173-55E6-BA9432AA1073}"/>
+              </a:ext>
+            </a:extLst>
+          </p:cNvPr>
+          <p:cNvCxnSpPr>
+            <a:cxnSpLocks/>
+            <a:endCxn id="56" idx="0"/>
+          </p:cNvCxnSpPr>
+          <p:nvPr/>
+        </p:nvCxnSpPr>
+        <p:spPr>
+          <a:xfrm flipH="1">
+            <a:off x="1135531" y="2686597"/>
+            <a:ext cx="1881216" cy="1656179"/>
+          </a:xfrm>
+          <a:prstGeom prst="straightConnector1">
+            <a:avLst/>
+          </a:prstGeom>
+          <a:ln w="28575">
+            <a:solidFill>
+              <a:schemeClr val="accent2"/>
+            </a:solidFill>
+            <a:tailEnd type="triangle"/>
+          </a:ln>
+        </p:spPr>
+        <p:style>
+          <a:lnRef idx="1">
+            <a:schemeClr val="accent1"/>
+          </a:lnRef>
+          <a:fillRef idx="0">
+            <a:schemeClr val="accent1"/>
+          </a:fillRef>
+          <a:effectRef idx="0">
+            <a:schemeClr val="accent1"/>
+          </a:effectRef>
+          <a:fontRef idx="minor">
+            <a:schemeClr val="tx1"/>
+          </a:fontRef>
+        </p:style>
+      </p:cxnSp>
+      <p:cxnSp>
+        <p:nvCxnSpPr>
+          <p:cNvPr id="34" name="Straight Connector 33">
+            <a:extLst>
+              <a:ext uri="{FF2B5EF4-FFF2-40B4-BE49-F238E27FC236}">
+                <a16:creationId xmlns:a16="http://schemas.microsoft.com/office/drawing/2014/main" id="{279914F6-96C1-C284-4623-86323A236AE7}"/>
+              </a:ext>
+            </a:extLst>
+          </p:cNvPr>
+          <p:cNvCxnSpPr>
+            <a:cxnSpLocks/>
+          </p:cNvCxnSpPr>
+          <p:nvPr/>
+        </p:nvCxnSpPr>
+        <p:spPr>
+          <a:xfrm flipH="1">
+            <a:off x="4976261" y="2301342"/>
+            <a:ext cx="541940" cy="0"/>
+          </a:xfrm>
+          <a:prstGeom prst="line">
+            <a:avLst/>
+          </a:prstGeom>
+          <a:ln w="28575">
+            <a:solidFill>
+              <a:schemeClr val="accent2"/>
+            </a:solidFill>
+          </a:ln>
+        </p:spPr>
+        <p:style>
+          <a:lnRef idx="1">
+            <a:schemeClr val="accent1"/>
+          </a:lnRef>
+          <a:fillRef idx="0">
+            <a:schemeClr val="accent1"/>
+          </a:fillRef>
+          <a:effectRef idx="0">
+            <a:schemeClr val="accent1"/>
+          </a:effectRef>
+          <a:fontRef idx="minor">
+            <a:schemeClr val="tx1"/>
+          </a:fontRef>
+        </p:style>
+      </p:cxnSp>
+      <p:cxnSp>
+        <p:nvCxnSpPr>
+          <p:cNvPr id="38" name="Straight Connector 37">
+            <a:extLst>
+              <a:ext uri="{FF2B5EF4-FFF2-40B4-BE49-F238E27FC236}">
+                <a16:creationId xmlns:a16="http://schemas.microsoft.com/office/drawing/2014/main" id="{D35C6251-369D-3A60-A12A-6A94534F3FC4}"/>
+              </a:ext>
+            </a:extLst>
+          </p:cNvPr>
+          <p:cNvCxnSpPr/>
+          <p:nvPr/>
+        </p:nvCxnSpPr>
+        <p:spPr>
+          <a:xfrm>
+            <a:off x="4976261" y="2301342"/>
+            <a:ext cx="0" cy="1447698"/>
+          </a:xfrm>
+          <a:prstGeom prst="line">
+            <a:avLst/>
+          </a:prstGeom>
+          <a:ln w="28575">
+            <a:solidFill>
+              <a:schemeClr val="accent2"/>
+            </a:solidFill>
+          </a:ln>
+        </p:spPr>
+        <p:style>
+          <a:lnRef idx="1">
+            <a:schemeClr val="accent1"/>
+          </a:lnRef>
+          <a:fillRef idx="0">
+            <a:schemeClr val="accent1"/>
+          </a:fillRef>
+          <a:effectRef idx="0">
+            <a:schemeClr val="accent1"/>
+          </a:effectRef>
+          <a:fontRef idx="minor">
+            <a:schemeClr val="tx1"/>
+          </a:fontRef>
+        </p:style>
+      </p:cxnSp>
+      <p:cxnSp>
+        <p:nvCxnSpPr>
+          <p:cNvPr id="47" name="Straight Arrow Connector 46">
+            <a:extLst>
+              <a:ext uri="{FF2B5EF4-FFF2-40B4-BE49-F238E27FC236}">
+                <a16:creationId xmlns:a16="http://schemas.microsoft.com/office/drawing/2014/main" id="{0D6F12CA-8CBC-7F06-6E0C-BC53FF74ED53}"/>
+              </a:ext>
+            </a:extLst>
+          </p:cNvPr>
+          <p:cNvCxnSpPr>
+            <a:cxnSpLocks/>
+          </p:cNvCxnSpPr>
+          <p:nvPr/>
+        </p:nvCxnSpPr>
+        <p:spPr>
+          <a:xfrm flipH="1">
+            <a:off x="1912437" y="3735101"/>
+            <a:ext cx="3063823" cy="593264"/>
+          </a:xfrm>
+          <a:prstGeom prst="straightConnector1">
+            <a:avLst/>
+          </a:prstGeom>
+          <a:ln w="28575">
+            <a:solidFill>
+              <a:schemeClr val="accent2"/>
+            </a:solidFill>
+            <a:tailEnd type="triangle"/>
+          </a:ln>
+        </p:spPr>
+        <p:style>
+          <a:lnRef idx="1">
+            <a:schemeClr val="accent1"/>
+          </a:lnRef>
+          <a:fillRef idx="0">
+            <a:schemeClr val="accent1"/>
+          </a:fillRef>
+          <a:effectRef idx="0">
+            <a:schemeClr val="accent1"/>
+          </a:effectRef>
+          <a:fontRef idx="minor">
+            <a:schemeClr val="tx1"/>
+          </a:fontRef>
+        </p:style>
+      </p:cxnSp>
     </p:spTree>
     <p:extLst>
       <p:ext uri="{BB962C8B-B14F-4D97-AF65-F5344CB8AC3E}">

--- a/maskrcnn.pptx
+++ b/maskrcnn.pptx
@@ -3346,17 +3346,31 @@
         </p:nvSpPr>
         <p:spPr>
           <a:xfrm>
-            <a:off x="1524000" y="81280"/>
-            <a:ext cx="9144000" cy="193040"/>
+            <a:off x="1595120" y="121336"/>
+            <a:ext cx="9144000" cy="578691"/>
           </a:xfrm>
         </p:spPr>
         <p:txBody>
           <a:bodyPr>
-            <a:normAutofit fontScale="90000"/>
+            <a:noAutofit/>
           </a:bodyPr>
           <a:lstStyle/>
           <a:p>
-            <a:endParaRPr lang="en-US" dirty="0"/>
+            <a:r>
+              <a:rPr lang="en-IN" sz="4400" b="1" dirty="0">
+                <a:solidFill>
+                  <a:srgbClr val="FF0000"/>
+                </a:solidFill>
+                <a:latin typeface="Imprint MT Shadow" panose="04020605060303030202" pitchFamily="82" charset="0"/>
+              </a:rPr>
+              <a:t>Mask R-CNN</a:t>
+            </a:r>
+            <a:endParaRPr lang="en-US" sz="4400" b="1" dirty="0">
+              <a:solidFill>
+                <a:srgbClr val="FF0000"/>
+              </a:solidFill>
+              <a:latin typeface="Imprint MT Shadow" panose="04020605060303030202" pitchFamily="82" charset="0"/>
+            </a:endParaRPr>
           </a:p>
         </p:txBody>
       </p:sp>
@@ -3388,7 +3402,7 @@
         </p:blipFill>
         <p:spPr>
           <a:xfrm>
-            <a:off x="2557832" y="4478142"/>
+            <a:off x="2528728" y="4439547"/>
             <a:ext cx="2058710" cy="1440418"/>
           </a:xfrm>
           <a:prstGeom prst="rect">
@@ -3424,7 +3438,7 @@
         </p:blipFill>
         <p:spPr>
           <a:xfrm>
-            <a:off x="5518201" y="737395"/>
+            <a:off x="5812878" y="824986"/>
             <a:ext cx="1553813" cy="1563947"/>
           </a:xfrm>
           <a:prstGeom prst="rect">
@@ -3460,7 +3474,7 @@
         </p:blipFill>
         <p:spPr>
           <a:xfrm>
-            <a:off x="3171606" y="1335122"/>
+            <a:off x="3187286" y="1044256"/>
             <a:ext cx="721889" cy="622853"/>
           </a:xfrm>
           <a:prstGeom prst="rect">
@@ -3496,7 +3510,7 @@
         </p:blipFill>
         <p:spPr>
           <a:xfrm>
-            <a:off x="3897784" y="1338738"/>
+            <a:off x="3992043" y="1022720"/>
             <a:ext cx="622853" cy="594375"/>
           </a:xfrm>
           <a:prstGeom prst="rect">
@@ -4047,7 +4061,7 @@
         </p:nvSpPr>
         <p:spPr>
           <a:xfrm>
-            <a:off x="5108209" y="2332654"/>
+            <a:off x="5495362" y="2355328"/>
             <a:ext cx="2327385" cy="707886"/>
           </a:xfrm>
           <a:prstGeom prst="rect">
@@ -4961,29 +4975,112 @@
           </a:fontRef>
         </p:style>
       </p:cxnSp>
-      <p:sp>
-        <p:nvSpPr>
-          <p:cNvPr id="100" name="Subtitle 99">
-            <a:extLst>
-              <a:ext uri="{FF2B5EF4-FFF2-40B4-BE49-F238E27FC236}">
-                <a16:creationId xmlns:a16="http://schemas.microsoft.com/office/drawing/2014/main" id="{14F7E014-9643-818E-6D96-89F48AE2BDA4}"/>
-              </a:ext>
-            </a:extLst>
-          </p:cNvPr>
-          <p:cNvSpPr>
-            <a:spLocks noGrp="1"/>
-          </p:cNvSpPr>
-          <p:nvPr>
-            <p:ph type="subTitle" idx="1"/>
-          </p:nvPr>
-        </p:nvSpPr>
-        <p:spPr>
-          <a:xfrm>
-            <a:off x="4397831" y="4925645"/>
-            <a:ext cx="536770" cy="270515"/>
+      <p:pic>
+        <p:nvPicPr>
+          <p:cNvPr id="4" name="Picture 3" descr="A wind turbines in the ocean">
+            <a:extLst>
+              <a:ext uri="{FF2B5EF4-FFF2-40B4-BE49-F238E27FC236}">
+                <a16:creationId xmlns:a16="http://schemas.microsoft.com/office/drawing/2014/main" id="{AE81BFF7-B66D-7C3D-B6E8-E75B0F48D437}"/>
+              </a:ext>
+            </a:extLst>
+          </p:cNvPr>
+          <p:cNvPicPr>
+            <a:picLocks noChangeAspect="1"/>
+          </p:cNvPicPr>
+          <p:nvPr/>
+        </p:nvPicPr>
+        <p:blipFill>
+          <a:blip r:embed="rId11">
+            <a:extLst>
+              <a:ext uri="{28A0092B-C50C-407E-A947-70E740481C1C}">
+                <a14:useLocalDpi xmlns:a14="http://schemas.microsoft.com/office/drawing/2010/main" val="0"/>
+              </a:ext>
+            </a:extLst>
+          </a:blip>
+          <a:stretch>
+            <a:fillRect/>
+          </a:stretch>
+        </p:blipFill>
+        <p:spPr>
+          <a:xfrm>
+            <a:off x="365703" y="694495"/>
+            <a:ext cx="1910682" cy="2073524"/>
+          </a:xfrm>
+          <a:prstGeom prst="rect">
+            <a:avLst/>
+          </a:prstGeom>
+        </p:spPr>
+      </p:pic>
+      <p:sp>
+        <p:nvSpPr>
+          <p:cNvPr id="6" name="Rectangle 5">
+            <a:extLst>
+              <a:ext uri="{FF2B5EF4-FFF2-40B4-BE49-F238E27FC236}">
+                <a16:creationId xmlns:a16="http://schemas.microsoft.com/office/drawing/2014/main" id="{46099337-55C0-0B96-A9A5-ECF76C5AEB39}"/>
+              </a:ext>
+            </a:extLst>
+          </p:cNvPr>
+          <p:cNvSpPr/>
+          <p:nvPr/>
+        </p:nvSpPr>
+        <p:spPr>
+          <a:xfrm>
+            <a:off x="556161" y="2701290"/>
+            <a:ext cx="1684115" cy="461665"/>
+          </a:xfrm>
+          <a:prstGeom prst="rect">
+            <a:avLst/>
+          </a:prstGeom>
+          <a:noFill/>
+        </p:spPr>
+        <p:txBody>
+          <a:bodyPr wrap="none" lIns="91440" tIns="45720" rIns="91440" bIns="45720">
+            <a:spAutoFit/>
+          </a:bodyPr>
+          <a:lstStyle/>
+          <a:p>
+            <a:pPr algn="ctr"/>
+            <a:r>
+              <a:rPr lang="en-US" sz="2400" b="0" cap="none" spc="0" dirty="0">
+                <a:ln w="0"/>
+                <a:solidFill>
+                  <a:schemeClr val="accent1"/>
+                </a:solidFill>
+                <a:effectLst>
+                  <a:outerShdw blurRad="38100" dist="25400" dir="5400000" algn="ctr" rotWithShape="0">
+                    <a:srgbClr val="6E747A">
+                      <a:alpha val="43000"/>
+                    </a:srgbClr>
+                  </a:outerShdw>
+                </a:effectLst>
+              </a:rPr>
+              <a:t>Input Image</a:t>
+            </a:r>
+          </a:p>
+        </p:txBody>
+      </p:sp>
+      <p:sp>
+        <p:nvSpPr>
+          <p:cNvPr id="7" name="Arrow: Right 6">
+            <a:extLst>
+              <a:ext uri="{FF2B5EF4-FFF2-40B4-BE49-F238E27FC236}">
+                <a16:creationId xmlns:a16="http://schemas.microsoft.com/office/drawing/2014/main" id="{BE518F7D-AA26-3038-BFBD-87E1BA232CB8}"/>
+              </a:ext>
+            </a:extLst>
+          </p:cNvPr>
+          <p:cNvSpPr/>
+          <p:nvPr/>
+        </p:nvSpPr>
+        <p:spPr>
+          <a:xfrm>
+            <a:off x="4948407" y="1487450"/>
+            <a:ext cx="721889" cy="439701"/>
           </a:xfrm>
           <a:prstGeom prst="rightArrow">
-            <a:avLst/>
+            <a:avLst>
+              <a:gd name="adj1" fmla="val 37625"/>
+              <a:gd name="adj2" fmla="val 50000"/>
+            </a:avLst>
           </a:prstGeom>
           <a:solidFill>
             <a:schemeClr val="accent5">
@@ -5009,21 +5106,20 @@
           </a:fontRef>
         </p:style>
         <p:txBody>
-          <a:bodyPr rtlCol="0" anchor="ctr">
-            <a:normAutofit fontScale="25000" lnSpcReduction="20000"/>
-          </a:bodyPr>
-          <a:lstStyle/>
-          <a:p>
+          <a:bodyPr rtlCol="0" anchor="ctr"/>
+          <a:lstStyle/>
+          <a:p>
+            <a:pPr algn="ctr"/>
             <a:endParaRPr lang="en-US" dirty="0"/>
           </a:p>
         </p:txBody>
       </p:sp>
       <p:pic>
         <p:nvPicPr>
-          <p:cNvPr id="4" name="Picture 3" descr="A wind turbines in the ocean">
-            <a:extLst>
-              <a:ext uri="{FF2B5EF4-FFF2-40B4-BE49-F238E27FC236}">
-                <a16:creationId xmlns:a16="http://schemas.microsoft.com/office/drawing/2014/main" id="{AE81BFF7-B66D-7C3D-B6E8-E75B0F48D437}"/>
+          <p:cNvPr id="9" name="Picture 8" descr="A snow covered mountain with trees&#10;&#10;Description automatically generated with medium confidence">
+            <a:extLst>
+              <a:ext uri="{FF2B5EF4-FFF2-40B4-BE49-F238E27FC236}">
+                <a16:creationId xmlns:a16="http://schemas.microsoft.com/office/drawing/2014/main" id="{1E15CBFC-38C9-9CFD-AE49-CD9DB93C24E6}"/>
               </a:ext>
             </a:extLst>
           </p:cNvPr>
@@ -5033,7 +5129,7 @@
           <p:nvPr/>
         </p:nvPicPr>
         <p:blipFill>
-          <a:blip r:embed="rId11">
+          <a:blip r:embed="rId12">
             <a:extLst>
               <a:ext uri="{28A0092B-C50C-407E-A947-70E740481C1C}">
                 <a14:useLocalDpi xmlns:a14="http://schemas.microsoft.com/office/drawing/2010/main" val="0"/>
@@ -5046,20 +5142,56 @@
         </p:blipFill>
         <p:spPr>
           <a:xfrm>
-            <a:off x="365703" y="694495"/>
-            <a:ext cx="1910682" cy="2073524"/>
+            <a:off x="3187286" y="1733157"/>
+            <a:ext cx="734601" cy="565914"/>
           </a:xfrm>
           <a:prstGeom prst="rect">
             <a:avLst/>
           </a:prstGeom>
         </p:spPr>
       </p:pic>
-      <p:sp>
-        <p:nvSpPr>
-          <p:cNvPr id="6" name="Rectangle 5">
-            <a:extLst>
-              <a:ext uri="{FF2B5EF4-FFF2-40B4-BE49-F238E27FC236}">
-                <a16:creationId xmlns:a16="http://schemas.microsoft.com/office/drawing/2014/main" id="{46099337-55C0-0B96-A9A5-ECF76C5AEB39}"/>
+      <p:pic>
+        <p:nvPicPr>
+          <p:cNvPr id="12" name="Picture 11" descr="A close up of a crack in a wall&#10;&#10;Description automatically generated">
+            <a:extLst>
+              <a:ext uri="{FF2B5EF4-FFF2-40B4-BE49-F238E27FC236}">
+                <a16:creationId xmlns:a16="http://schemas.microsoft.com/office/drawing/2014/main" id="{523637C3-49DC-6702-D3D9-6EA8D12451F4}"/>
+              </a:ext>
+            </a:extLst>
+          </p:cNvPr>
+          <p:cNvPicPr>
+            <a:picLocks noChangeAspect="1"/>
+          </p:cNvPicPr>
+          <p:nvPr/>
+        </p:nvPicPr>
+        <p:blipFill>
+          <a:blip r:embed="rId13">
+            <a:extLst>
+              <a:ext uri="{28A0092B-C50C-407E-A947-70E740481C1C}">
+                <a14:useLocalDpi xmlns:a14="http://schemas.microsoft.com/office/drawing/2010/main" val="0"/>
+              </a:ext>
+            </a:extLst>
+          </a:blip>
+          <a:stretch>
+            <a:fillRect/>
+          </a:stretch>
+        </p:blipFill>
+        <p:spPr>
+          <a:xfrm>
+            <a:off x="3990001" y="1713866"/>
+            <a:ext cx="681587" cy="547618"/>
+          </a:xfrm>
+          <a:prstGeom prst="rect">
+            <a:avLst/>
+          </a:prstGeom>
+        </p:spPr>
+      </p:pic>
+      <p:sp>
+        <p:nvSpPr>
+          <p:cNvPr id="13" name="Rectangle 12">
+            <a:extLst>
+              <a:ext uri="{FF2B5EF4-FFF2-40B4-BE49-F238E27FC236}">
+                <a16:creationId xmlns:a16="http://schemas.microsoft.com/office/drawing/2014/main" id="{C6EB8713-5CDE-7057-7BE8-87EC31BB83E1}"/>
               </a:ext>
             </a:extLst>
           </p:cNvPr>
@@ -5068,69 +5200,18 @@
         </p:nvSpPr>
         <p:spPr>
           <a:xfrm>
-            <a:off x="556161" y="2701290"/>
-            <a:ext cx="1684115" cy="461665"/>
+            <a:off x="3088738" y="845875"/>
+            <a:ext cx="1624706" cy="1675130"/>
           </a:xfrm>
           <a:prstGeom prst="rect">
             <a:avLst/>
           </a:prstGeom>
           <a:noFill/>
-        </p:spPr>
-        <p:txBody>
-          <a:bodyPr wrap="none" lIns="91440" tIns="45720" rIns="91440" bIns="45720">
-            <a:spAutoFit/>
-          </a:bodyPr>
-          <a:lstStyle/>
-          <a:p>
-            <a:pPr algn="ctr"/>
-            <a:r>
-              <a:rPr lang="en-US" sz="2400" b="0" cap="none" spc="0" dirty="0">
-                <a:ln w="0"/>
-                <a:solidFill>
-                  <a:schemeClr val="accent1"/>
-                </a:solidFill>
-                <a:effectLst>
-                  <a:outerShdw blurRad="38100" dist="25400" dir="5400000" algn="ctr" rotWithShape="0">
-                    <a:srgbClr val="6E747A">
-                      <a:alpha val="43000"/>
-                    </a:srgbClr>
-                  </a:outerShdw>
-                </a:effectLst>
-              </a:rPr>
-              <a:t>Input Image</a:t>
-            </a:r>
-          </a:p>
-        </p:txBody>
-      </p:sp>
-      <p:sp>
-        <p:nvSpPr>
-          <p:cNvPr id="7" name="Arrow: Right 6">
-            <a:extLst>
-              <a:ext uri="{FF2B5EF4-FFF2-40B4-BE49-F238E27FC236}">
-                <a16:creationId xmlns:a16="http://schemas.microsoft.com/office/drawing/2014/main" id="{BE518F7D-AA26-3038-BFBD-87E1BA232CB8}"/>
-              </a:ext>
-            </a:extLst>
-          </p:cNvPr>
-          <p:cNvSpPr/>
-          <p:nvPr/>
-        </p:nvSpPr>
-        <p:spPr>
-          <a:xfrm>
-            <a:off x="4747264" y="1449351"/>
-            <a:ext cx="721889" cy="439701"/>
-          </a:xfrm>
-          <a:prstGeom prst="rightArrow">
-            <a:avLst>
-              <a:gd name="adj1" fmla="val 37625"/>
-              <a:gd name="adj2" fmla="val 50000"/>
-            </a:avLst>
-          </a:prstGeom>
-          <a:solidFill>
-            <a:schemeClr val="accent5">
-              <a:lumMod val="40000"/>
-              <a:lumOff val="60000"/>
-            </a:schemeClr>
-          </a:solidFill>
+          <a:ln w="28575">
+            <a:solidFill>
+              <a:schemeClr val="accent1"/>
+            </a:solidFill>
+          </a:ln>
         </p:spPr>
         <p:style>
           <a:lnRef idx="2">
@@ -5153,130 +5234,6 @@
           <a:lstStyle/>
           <a:p>
             <a:pPr algn="ctr"/>
-            <a:endParaRPr lang="en-US" dirty="0"/>
-          </a:p>
-        </p:txBody>
-      </p:sp>
-      <p:pic>
-        <p:nvPicPr>
-          <p:cNvPr id="9" name="Picture 8" descr="A snow covered mountain with trees&#10;&#10;Description automatically generated with medium confidence">
-            <a:extLst>
-              <a:ext uri="{FF2B5EF4-FFF2-40B4-BE49-F238E27FC236}">
-                <a16:creationId xmlns:a16="http://schemas.microsoft.com/office/drawing/2014/main" id="{1E15CBFC-38C9-9CFD-AE49-CD9DB93C24E6}"/>
-              </a:ext>
-            </a:extLst>
-          </p:cNvPr>
-          <p:cNvPicPr>
-            <a:picLocks noChangeAspect="1"/>
-          </p:cNvPicPr>
-          <p:nvPr/>
-        </p:nvPicPr>
-        <p:blipFill>
-          <a:blip r:embed="rId12">
-            <a:extLst>
-              <a:ext uri="{28A0092B-C50C-407E-A947-70E740481C1C}">
-                <a14:useLocalDpi xmlns:a14="http://schemas.microsoft.com/office/drawing/2010/main" val="0"/>
-              </a:ext>
-            </a:extLst>
-          </a:blip>
-          <a:stretch>
-            <a:fillRect/>
-          </a:stretch>
-        </p:blipFill>
-        <p:spPr>
-          <a:xfrm>
-            <a:off x="3167317" y="1916131"/>
-            <a:ext cx="734601" cy="565914"/>
-          </a:xfrm>
-          <a:prstGeom prst="rect">
-            <a:avLst/>
-          </a:prstGeom>
-        </p:spPr>
-      </p:pic>
-      <p:pic>
-        <p:nvPicPr>
-          <p:cNvPr id="12" name="Picture 11" descr="A close up of a crack in a wall&#10;&#10;Description automatically generated">
-            <a:extLst>
-              <a:ext uri="{FF2B5EF4-FFF2-40B4-BE49-F238E27FC236}">
-                <a16:creationId xmlns:a16="http://schemas.microsoft.com/office/drawing/2014/main" id="{523637C3-49DC-6702-D3D9-6EA8D12451F4}"/>
-              </a:ext>
-            </a:extLst>
-          </p:cNvPr>
-          <p:cNvPicPr>
-            <a:picLocks noChangeAspect="1"/>
-          </p:cNvPicPr>
-          <p:nvPr/>
-        </p:nvPicPr>
-        <p:blipFill>
-          <a:blip r:embed="rId13">
-            <a:extLst>
-              <a:ext uri="{28A0092B-C50C-407E-A947-70E740481C1C}">
-                <a14:useLocalDpi xmlns:a14="http://schemas.microsoft.com/office/drawing/2010/main" val="0"/>
-              </a:ext>
-            </a:extLst>
-          </a:blip>
-          <a:stretch>
-            <a:fillRect/>
-          </a:stretch>
-        </p:blipFill>
-        <p:spPr>
-          <a:xfrm>
-            <a:off x="3868416" y="1936895"/>
-            <a:ext cx="681587" cy="547618"/>
-          </a:xfrm>
-          <a:prstGeom prst="rect">
-            <a:avLst/>
-          </a:prstGeom>
-        </p:spPr>
-      </p:pic>
-      <p:sp>
-        <p:nvSpPr>
-          <p:cNvPr id="13" name="Rectangle 12">
-            <a:extLst>
-              <a:ext uri="{FF2B5EF4-FFF2-40B4-BE49-F238E27FC236}">
-                <a16:creationId xmlns:a16="http://schemas.microsoft.com/office/drawing/2014/main" id="{C6EB8713-5CDE-7057-7BE8-87EC31BB83E1}"/>
-              </a:ext>
-            </a:extLst>
-          </p:cNvPr>
-          <p:cNvSpPr/>
-          <p:nvPr/>
-        </p:nvSpPr>
-        <p:spPr>
-          <a:xfrm>
-            <a:off x="3016747" y="1026160"/>
-            <a:ext cx="1624706" cy="1675130"/>
-          </a:xfrm>
-          <a:prstGeom prst="rect">
-            <a:avLst/>
-          </a:prstGeom>
-          <a:noFill/>
-          <a:ln w="28575">
-            <a:solidFill>
-              <a:schemeClr val="accent1"/>
-            </a:solidFill>
-          </a:ln>
-        </p:spPr>
-        <p:style>
-          <a:lnRef idx="2">
-            <a:schemeClr val="accent1">
-              <a:shade val="15000"/>
-            </a:schemeClr>
-          </a:lnRef>
-          <a:fillRef idx="1">
-            <a:schemeClr val="accent1"/>
-          </a:fillRef>
-          <a:effectRef idx="0">
-            <a:schemeClr val="accent1"/>
-          </a:effectRef>
-          <a:fontRef idx="minor">
-            <a:schemeClr val="lt1"/>
-          </a:fontRef>
-        </p:style>
-        <p:txBody>
-          <a:bodyPr rtlCol="0" anchor="ctr"/>
-          <a:lstStyle/>
-          <a:p>
-            <a:pPr algn="ctr"/>
             <a:endParaRPr lang="en-US"/>
           </a:p>
         </p:txBody>
@@ -5298,8 +5255,8 @@
         </p:nvCxnSpPr>
         <p:spPr>
           <a:xfrm flipH="1">
-            <a:off x="1135531" y="2686597"/>
-            <a:ext cx="1881216" cy="1656179"/>
+            <a:off x="1135531" y="2525027"/>
+            <a:ext cx="1943571" cy="1817749"/>
           </a:xfrm>
           <a:prstGeom prst="straightConnector1">
             <a:avLst/>
@@ -5309,90 +5266,6 @@
               <a:schemeClr val="accent2"/>
             </a:solidFill>
             <a:tailEnd type="triangle"/>
-          </a:ln>
-        </p:spPr>
-        <p:style>
-          <a:lnRef idx="1">
-            <a:schemeClr val="accent1"/>
-          </a:lnRef>
-          <a:fillRef idx="0">
-            <a:schemeClr val="accent1"/>
-          </a:fillRef>
-          <a:effectRef idx="0">
-            <a:schemeClr val="accent1"/>
-          </a:effectRef>
-          <a:fontRef idx="minor">
-            <a:schemeClr val="tx1"/>
-          </a:fontRef>
-        </p:style>
-      </p:cxnSp>
-      <p:cxnSp>
-        <p:nvCxnSpPr>
-          <p:cNvPr id="34" name="Straight Connector 33">
-            <a:extLst>
-              <a:ext uri="{FF2B5EF4-FFF2-40B4-BE49-F238E27FC236}">
-                <a16:creationId xmlns:a16="http://schemas.microsoft.com/office/drawing/2014/main" id="{279914F6-96C1-C284-4623-86323A236AE7}"/>
-              </a:ext>
-            </a:extLst>
-          </p:cNvPr>
-          <p:cNvCxnSpPr>
-            <a:cxnSpLocks/>
-          </p:cNvCxnSpPr>
-          <p:nvPr/>
-        </p:nvCxnSpPr>
-        <p:spPr>
-          <a:xfrm flipH="1">
-            <a:off x="4976261" y="2301342"/>
-            <a:ext cx="541940" cy="0"/>
-          </a:xfrm>
-          <a:prstGeom prst="line">
-            <a:avLst/>
-          </a:prstGeom>
-          <a:ln w="28575">
-            <a:solidFill>
-              <a:schemeClr val="accent2"/>
-            </a:solidFill>
-          </a:ln>
-        </p:spPr>
-        <p:style>
-          <a:lnRef idx="1">
-            <a:schemeClr val="accent1"/>
-          </a:lnRef>
-          <a:fillRef idx="0">
-            <a:schemeClr val="accent1"/>
-          </a:fillRef>
-          <a:effectRef idx="0">
-            <a:schemeClr val="accent1"/>
-          </a:effectRef>
-          <a:fontRef idx="minor">
-            <a:schemeClr val="tx1"/>
-          </a:fontRef>
-        </p:style>
-      </p:cxnSp>
-      <p:cxnSp>
-        <p:nvCxnSpPr>
-          <p:cNvPr id="38" name="Straight Connector 37">
-            <a:extLst>
-              <a:ext uri="{FF2B5EF4-FFF2-40B4-BE49-F238E27FC236}">
-                <a16:creationId xmlns:a16="http://schemas.microsoft.com/office/drawing/2014/main" id="{D35C6251-369D-3A60-A12A-6A94534F3FC4}"/>
-              </a:ext>
-            </a:extLst>
-          </p:cNvPr>
-          <p:cNvCxnSpPr/>
-          <p:nvPr/>
-        </p:nvCxnSpPr>
-        <p:spPr>
-          <a:xfrm>
-            <a:off x="4976261" y="2301342"/>
-            <a:ext cx="0" cy="1447698"/>
-          </a:xfrm>
-          <a:prstGeom prst="line">
-            <a:avLst/>
-          </a:prstGeom>
-          <a:ln w="28575">
-            <a:solidFill>
-              <a:schemeClr val="accent2"/>
-            </a:solidFill>
           </a:ln>
         </p:spPr>
         <p:style>
@@ -5448,6 +5321,135 @@
           </a:fillRef>
           <a:effectRef idx="0">
             <a:schemeClr val="accent1"/>
+          </a:effectRef>
+          <a:fontRef idx="minor">
+            <a:schemeClr val="tx1"/>
+          </a:fontRef>
+        </p:style>
+      </p:cxnSp>
+      <p:sp>
+        <p:nvSpPr>
+          <p:cNvPr id="50" name="Arrow: Right 49">
+            <a:extLst>
+              <a:ext uri="{FF2B5EF4-FFF2-40B4-BE49-F238E27FC236}">
+                <a16:creationId xmlns:a16="http://schemas.microsoft.com/office/drawing/2014/main" id="{F13438A5-80E5-12FA-83B0-B5DA4E850AB9}"/>
+              </a:ext>
+            </a:extLst>
+          </p:cNvPr>
+          <p:cNvSpPr/>
+          <p:nvPr/>
+        </p:nvSpPr>
+        <p:spPr>
+          <a:xfrm>
+            <a:off x="4271029" y="4918176"/>
+            <a:ext cx="677176" cy="285454"/>
+          </a:xfrm>
+          <a:prstGeom prst="rightArrow">
+            <a:avLst/>
+          </a:prstGeom>
+          <a:solidFill>
+            <a:schemeClr val="accent5">
+              <a:lumMod val="40000"/>
+              <a:lumOff val="60000"/>
+            </a:schemeClr>
+          </a:solidFill>
+        </p:spPr>
+        <p:style>
+          <a:lnRef idx="2">
+            <a:schemeClr val="accent1">
+              <a:shade val="15000"/>
+            </a:schemeClr>
+          </a:lnRef>
+          <a:fillRef idx="1">
+            <a:schemeClr val="accent1"/>
+          </a:fillRef>
+          <a:effectRef idx="0">
+            <a:schemeClr val="accent1"/>
+          </a:effectRef>
+          <a:fontRef idx="minor">
+            <a:schemeClr val="lt1"/>
+          </a:fontRef>
+        </p:style>
+        <p:txBody>
+          <a:bodyPr rtlCol="0" anchor="ctr"/>
+          <a:lstStyle/>
+          <a:p>
+            <a:pPr algn="ctr"/>
+            <a:endParaRPr lang="en-US" dirty="0">
+              <a:solidFill>
+                <a:srgbClr val="FF0000"/>
+              </a:solidFill>
+            </a:endParaRPr>
+          </a:p>
+        </p:txBody>
+      </p:sp>
+      <p:cxnSp>
+        <p:nvCxnSpPr>
+          <p:cNvPr id="52" name="Straight Connector 51">
+            <a:extLst>
+              <a:ext uri="{FF2B5EF4-FFF2-40B4-BE49-F238E27FC236}">
+                <a16:creationId xmlns:a16="http://schemas.microsoft.com/office/drawing/2014/main" id="{B50727CC-8898-0560-3BAC-BEB0D4CD3344}"/>
+              </a:ext>
+            </a:extLst>
+          </p:cNvPr>
+          <p:cNvCxnSpPr/>
+          <p:nvPr/>
+        </p:nvCxnSpPr>
+        <p:spPr>
+          <a:xfrm flipH="1">
+            <a:off x="4968240" y="2299071"/>
+            <a:ext cx="8020" cy="7249"/>
+          </a:xfrm>
+          <a:prstGeom prst="line">
+            <a:avLst/>
+          </a:prstGeom>
+        </p:spPr>
+        <p:style>
+          <a:lnRef idx="1">
+            <a:schemeClr val="accent1"/>
+          </a:lnRef>
+          <a:fillRef idx="0">
+            <a:schemeClr val="accent1"/>
+          </a:fillRef>
+          <a:effectRef idx="0">
+            <a:schemeClr val="accent1"/>
+          </a:effectRef>
+          <a:fontRef idx="minor">
+            <a:schemeClr val="tx1"/>
+          </a:fontRef>
+        </p:style>
+      </p:cxnSp>
+      <p:cxnSp>
+        <p:nvCxnSpPr>
+          <p:cNvPr id="54" name="Straight Connector 53">
+            <a:extLst>
+              <a:ext uri="{FF2B5EF4-FFF2-40B4-BE49-F238E27FC236}">
+                <a16:creationId xmlns:a16="http://schemas.microsoft.com/office/drawing/2014/main" id="{D2998CEE-FAE3-0845-776C-002DE9D55B9E}"/>
+              </a:ext>
+            </a:extLst>
+          </p:cNvPr>
+          <p:cNvCxnSpPr/>
+          <p:nvPr/>
+        </p:nvCxnSpPr>
+        <p:spPr>
+          <a:xfrm flipV="1">
+            <a:off x="4948205" y="2306320"/>
+            <a:ext cx="864673" cy="1428781"/>
+          </a:xfrm>
+          <a:prstGeom prst="line">
+            <a:avLst/>
+          </a:prstGeom>
+          <a:ln w="28575"/>
+        </p:spPr>
+        <p:style>
+          <a:lnRef idx="1">
+            <a:schemeClr val="accent2"/>
+          </a:lnRef>
+          <a:fillRef idx="0">
+            <a:schemeClr val="accent2"/>
+          </a:fillRef>
+          <a:effectRef idx="0">
+            <a:schemeClr val="accent2"/>
           </a:effectRef>
           <a:fontRef idx="minor">
             <a:schemeClr val="tx1"/>
